--- a/docs/diagrams/UndoRedoStartingStackDiagram.pptx
+++ b/docs/diagrams/UndoRedoStartingStackDiagram.pptx
@@ -261,7 +261,7 @@
           <a:p>
             <a:fld id="{03EC4E3E-8101-482F-A883-8B55DAFF7C07}" type="datetimeFigureOut">
               <a:rPr lang="en-SG" smtClean="0"/>
-              <a:t>13/3/2018</a:t>
+              <a:t>26/3/2018</a:t>
             </a:fld>
             <a:endParaRPr lang="en-SG"/>
           </a:p>
@@ -461,7 +461,7 @@
           <a:p>
             <a:fld id="{03EC4E3E-8101-482F-A883-8B55DAFF7C07}" type="datetimeFigureOut">
               <a:rPr lang="en-SG" smtClean="0"/>
-              <a:t>13/3/2018</a:t>
+              <a:t>26/3/2018</a:t>
             </a:fld>
             <a:endParaRPr lang="en-SG"/>
           </a:p>
@@ -671,7 +671,7 @@
           <a:p>
             <a:fld id="{03EC4E3E-8101-482F-A883-8B55DAFF7C07}" type="datetimeFigureOut">
               <a:rPr lang="en-SG" smtClean="0"/>
-              <a:t>13/3/2018</a:t>
+              <a:t>26/3/2018</a:t>
             </a:fld>
             <a:endParaRPr lang="en-SG"/>
           </a:p>
@@ -871,7 +871,7 @@
           <a:p>
             <a:fld id="{03EC4E3E-8101-482F-A883-8B55DAFF7C07}" type="datetimeFigureOut">
               <a:rPr lang="en-SG" smtClean="0"/>
-              <a:t>13/3/2018</a:t>
+              <a:t>26/3/2018</a:t>
             </a:fld>
             <a:endParaRPr lang="en-SG"/>
           </a:p>
@@ -1147,7 +1147,7 @@
           <a:p>
             <a:fld id="{03EC4E3E-8101-482F-A883-8B55DAFF7C07}" type="datetimeFigureOut">
               <a:rPr lang="en-SG" smtClean="0"/>
-              <a:t>13/3/2018</a:t>
+              <a:t>26/3/2018</a:t>
             </a:fld>
             <a:endParaRPr lang="en-SG"/>
           </a:p>
@@ -1415,7 +1415,7 @@
           <a:p>
             <a:fld id="{03EC4E3E-8101-482F-A883-8B55DAFF7C07}" type="datetimeFigureOut">
               <a:rPr lang="en-SG" smtClean="0"/>
-              <a:t>13/3/2018</a:t>
+              <a:t>26/3/2018</a:t>
             </a:fld>
             <a:endParaRPr lang="en-SG"/>
           </a:p>
@@ -1830,7 +1830,7 @@
           <a:p>
             <a:fld id="{03EC4E3E-8101-482F-A883-8B55DAFF7C07}" type="datetimeFigureOut">
               <a:rPr lang="en-SG" smtClean="0"/>
-              <a:t>13/3/2018</a:t>
+              <a:t>26/3/2018</a:t>
             </a:fld>
             <a:endParaRPr lang="en-SG"/>
           </a:p>
@@ -1972,7 +1972,7 @@
           <a:p>
             <a:fld id="{03EC4E3E-8101-482F-A883-8B55DAFF7C07}" type="datetimeFigureOut">
               <a:rPr lang="en-SG" smtClean="0"/>
-              <a:t>13/3/2018</a:t>
+              <a:t>26/3/2018</a:t>
             </a:fld>
             <a:endParaRPr lang="en-SG"/>
           </a:p>
@@ -2085,7 +2085,7 @@
           <a:p>
             <a:fld id="{03EC4E3E-8101-482F-A883-8B55DAFF7C07}" type="datetimeFigureOut">
               <a:rPr lang="en-SG" smtClean="0"/>
-              <a:t>13/3/2018</a:t>
+              <a:t>26/3/2018</a:t>
             </a:fld>
             <a:endParaRPr lang="en-SG"/>
           </a:p>
@@ -2398,7 +2398,7 @@
           <a:p>
             <a:fld id="{03EC4E3E-8101-482F-A883-8B55DAFF7C07}" type="datetimeFigureOut">
               <a:rPr lang="en-SG" smtClean="0"/>
-              <a:t>13/3/2018</a:t>
+              <a:t>26/3/2018</a:t>
             </a:fld>
             <a:endParaRPr lang="en-SG"/>
           </a:p>
@@ -2687,7 +2687,7 @@
           <a:p>
             <a:fld id="{03EC4E3E-8101-482F-A883-8B55DAFF7C07}" type="datetimeFigureOut">
               <a:rPr lang="en-SG" smtClean="0"/>
-              <a:t>13/3/2018</a:t>
+              <a:t>26/3/2018</a:t>
             </a:fld>
             <a:endParaRPr lang="en-SG"/>
           </a:p>
@@ -2930,7 +2930,7 @@
           <a:p>
             <a:fld id="{03EC4E3E-8101-482F-A883-8B55DAFF7C07}" type="datetimeFigureOut">
               <a:rPr lang="en-SG" smtClean="0"/>
-              <a:t>13/3/2018</a:t>
+              <a:t>26/3/2018</a:t>
             </a:fld>
             <a:endParaRPr lang="en-SG"/>
           </a:p>
@@ -3361,7 +3361,7 @@
         </p:nvSpPr>
         <p:spPr>
           <a:xfrm>
-            <a:off x="-62383" y="3857232"/>
+            <a:off x="2748640" y="3857232"/>
             <a:ext cx="2463069" cy="365972"/>
           </a:xfrm>
           <a:prstGeom prst="rect">
@@ -3381,47 +3381,6 @@
                 <a:latin typeface="Consolas" panose="020B0609020204030204" pitchFamily="49" charset="0"/>
               </a:rPr>
               <a:t>undoStack</a:t>
-            </a:r>
-            <a:endParaRPr lang="en-SG" dirty="0">
-              <a:latin typeface="Consolas" panose="020B0609020204030204" pitchFamily="49" charset="0"/>
-            </a:endParaRPr>
-          </a:p>
-        </p:txBody>
-      </p:sp>
-      <p:sp>
-        <p:nvSpPr>
-          <p:cNvPr id="11" name="TextBox 10">
-            <a:extLst>
-              <a:ext uri="{FF2B5EF4-FFF2-40B4-BE49-F238E27FC236}">
-                <a16:creationId xmlns:a16="http://schemas.microsoft.com/office/drawing/2014/main" id="{AEDA3BD1-2236-4D57-B42D-805C563D5E78}"/>
-              </a:ext>
-            </a:extLst>
-          </p:cNvPr>
-          <p:cNvSpPr txBox="1"/>
-          <p:nvPr/>
-        </p:nvSpPr>
-        <p:spPr>
-          <a:xfrm>
-            <a:off x="2520692" y="3853872"/>
-            <a:ext cx="2458129" cy="369332"/>
-          </a:xfrm>
-          <a:prstGeom prst="rect">
-            <a:avLst/>
-          </a:prstGeom>
-          <a:noFill/>
-        </p:spPr>
-        <p:txBody>
-          <a:bodyPr wrap="square" rtlCol="0">
-            <a:spAutoFit/>
-          </a:bodyPr>
-          <a:lstStyle/>
-          <a:p>
-            <a:pPr algn="ctr"/>
-            <a:r>
-              <a:rPr lang="en-SG" dirty="0" err="1">
-                <a:latin typeface="Consolas" panose="020B0609020204030204" pitchFamily="49" charset="0"/>
-              </a:rPr>
-              <a:t>redoStack</a:t>
             </a:r>
             <a:endParaRPr lang="en-SG" dirty="0">
               <a:latin typeface="Consolas" panose="020B0609020204030204" pitchFamily="49" charset="0"/>
@@ -3514,47 +3473,6 @@
                 <a:latin typeface="Consolas" panose="020B0609020204030204" pitchFamily="49" charset="0"/>
               </a:rPr>
               <a:t>undoStack</a:t>
-            </a:r>
-            <a:endParaRPr lang="en-SG" dirty="0">
-              <a:latin typeface="Consolas" panose="020B0609020204030204" pitchFamily="49" charset="0"/>
-            </a:endParaRPr>
-          </a:p>
-        </p:txBody>
-      </p:sp>
-      <p:sp>
-        <p:nvSpPr>
-          <p:cNvPr id="45" name="TextBox 44">
-            <a:extLst>
-              <a:ext uri="{FF2B5EF4-FFF2-40B4-BE49-F238E27FC236}">
-                <a16:creationId xmlns:a16="http://schemas.microsoft.com/office/drawing/2014/main" id="{3151A13B-9509-43FA-BFEB-1D9866A00B84}"/>
-              </a:ext>
-            </a:extLst>
-          </p:cNvPr>
-          <p:cNvSpPr txBox="1"/>
-          <p:nvPr/>
-        </p:nvSpPr>
-        <p:spPr>
-          <a:xfrm>
-            <a:off x="10031137" y="3850512"/>
-            <a:ext cx="2458129" cy="369332"/>
-          </a:xfrm>
-          <a:prstGeom prst="rect">
-            <a:avLst/>
-          </a:prstGeom>
-          <a:noFill/>
-        </p:spPr>
-        <p:txBody>
-          <a:bodyPr wrap="square" rtlCol="0">
-            <a:spAutoFit/>
-          </a:bodyPr>
-          <a:lstStyle/>
-          <a:p>
-            <a:pPr algn="ctr"/>
-            <a:r>
-              <a:rPr lang="en-SG" dirty="0" err="1">
-                <a:latin typeface="Consolas" panose="020B0609020204030204" pitchFamily="49" charset="0"/>
-              </a:rPr>
-              <a:t>redoStack</a:t>
             </a:r>
             <a:endParaRPr lang="en-SG" dirty="0">
               <a:latin typeface="Consolas" panose="020B0609020204030204" pitchFamily="49" charset="0"/>
@@ -3778,189 +3696,13 @@
       </p:sp>
       <p:sp>
         <p:nvSpPr>
-          <p:cNvPr id="22" name="Freeform 21"/>
-          <p:cNvSpPr/>
-          <p:nvPr/>
-        </p:nvSpPr>
-        <p:spPr>
-          <a:xfrm>
-            <a:off x="10006092" y="2499919"/>
-            <a:ext cx="2621293" cy="1376870"/>
-          </a:xfrm>
-          <a:custGeom>
-            <a:avLst/>
-            <a:gdLst>
-              <a:gd name="connsiteX0" fmla="*/ 0 w 2474752"/>
-              <a:gd name="connsiteY0" fmla="*/ 8389 h 2382474"/>
-              <a:gd name="connsiteX1" fmla="*/ 0 w 2474752"/>
-              <a:gd name="connsiteY1" fmla="*/ 2382474 h 2382474"/>
-              <a:gd name="connsiteX2" fmla="*/ 2474752 w 2474752"/>
-              <a:gd name="connsiteY2" fmla="*/ 2382474 h 2382474"/>
-              <a:gd name="connsiteX3" fmla="*/ 2474752 w 2474752"/>
-              <a:gd name="connsiteY3" fmla="*/ 0 h 2382474"/>
-            </a:gdLst>
-            <a:ahLst/>
-            <a:cxnLst>
-              <a:cxn ang="0">
-                <a:pos x="connsiteX0" y="connsiteY0"/>
-              </a:cxn>
-              <a:cxn ang="0">
-                <a:pos x="connsiteX1" y="connsiteY1"/>
-              </a:cxn>
-              <a:cxn ang="0">
-                <a:pos x="connsiteX2" y="connsiteY2"/>
-              </a:cxn>
-              <a:cxn ang="0">
-                <a:pos x="connsiteX3" y="connsiteY3"/>
-              </a:cxn>
-            </a:cxnLst>
-            <a:rect l="l" t="t" r="r" b="b"/>
-            <a:pathLst>
-              <a:path w="2474752" h="2382474">
-                <a:moveTo>
-                  <a:pt x="0" y="8389"/>
-                </a:moveTo>
-                <a:lnTo>
-                  <a:pt x="0" y="2382474"/>
-                </a:lnTo>
-                <a:lnTo>
-                  <a:pt x="2474752" y="2382474"/>
-                </a:lnTo>
-                <a:lnTo>
-                  <a:pt x="2474752" y="0"/>
-                </a:lnTo>
-              </a:path>
-            </a:pathLst>
-          </a:custGeom>
-          <a:noFill/>
-          <a:ln w="38100">
-            <a:solidFill>
-              <a:schemeClr val="tx1"/>
-            </a:solidFill>
-          </a:ln>
-        </p:spPr>
-        <p:style>
-          <a:lnRef idx="2">
-            <a:schemeClr val="accent1">
-              <a:shade val="50000"/>
-            </a:schemeClr>
-          </a:lnRef>
-          <a:fillRef idx="1">
-            <a:schemeClr val="accent1"/>
-          </a:fillRef>
-          <a:effectRef idx="0">
-            <a:schemeClr val="accent1"/>
-          </a:effectRef>
-          <a:fontRef idx="minor">
-            <a:schemeClr val="lt1"/>
-          </a:fontRef>
-        </p:style>
-        <p:txBody>
-          <a:bodyPr rtlCol="0" anchor="ctr"/>
-          <a:lstStyle/>
-          <a:p>
-            <a:pPr algn="ctr"/>
-            <a:endParaRPr lang="en-US"/>
-          </a:p>
-        </p:txBody>
-      </p:sp>
-      <p:sp>
-        <p:nvSpPr>
-          <p:cNvPr id="23" name="Freeform 22"/>
-          <p:cNvSpPr/>
-          <p:nvPr/>
-        </p:nvSpPr>
-        <p:spPr>
-          <a:xfrm>
-            <a:off x="2493090" y="2499919"/>
-            <a:ext cx="2621293" cy="1376870"/>
-          </a:xfrm>
-          <a:custGeom>
-            <a:avLst/>
-            <a:gdLst>
-              <a:gd name="connsiteX0" fmla="*/ 0 w 2474752"/>
-              <a:gd name="connsiteY0" fmla="*/ 8389 h 2382474"/>
-              <a:gd name="connsiteX1" fmla="*/ 0 w 2474752"/>
-              <a:gd name="connsiteY1" fmla="*/ 2382474 h 2382474"/>
-              <a:gd name="connsiteX2" fmla="*/ 2474752 w 2474752"/>
-              <a:gd name="connsiteY2" fmla="*/ 2382474 h 2382474"/>
-              <a:gd name="connsiteX3" fmla="*/ 2474752 w 2474752"/>
-              <a:gd name="connsiteY3" fmla="*/ 0 h 2382474"/>
-            </a:gdLst>
-            <a:ahLst/>
-            <a:cxnLst>
-              <a:cxn ang="0">
-                <a:pos x="connsiteX0" y="connsiteY0"/>
-              </a:cxn>
-              <a:cxn ang="0">
-                <a:pos x="connsiteX1" y="connsiteY1"/>
-              </a:cxn>
-              <a:cxn ang="0">
-                <a:pos x="connsiteX2" y="connsiteY2"/>
-              </a:cxn>
-              <a:cxn ang="0">
-                <a:pos x="connsiteX3" y="connsiteY3"/>
-              </a:cxn>
-            </a:cxnLst>
-            <a:rect l="l" t="t" r="r" b="b"/>
-            <a:pathLst>
-              <a:path w="2474752" h="2382474">
-                <a:moveTo>
-                  <a:pt x="0" y="8389"/>
-                </a:moveTo>
-                <a:lnTo>
-                  <a:pt x="0" y="2382474"/>
-                </a:lnTo>
-                <a:lnTo>
-                  <a:pt x="2474752" y="2382474"/>
-                </a:lnTo>
-                <a:lnTo>
-                  <a:pt x="2474752" y="0"/>
-                </a:lnTo>
-              </a:path>
-            </a:pathLst>
-          </a:custGeom>
-          <a:noFill/>
-          <a:ln w="38100">
-            <a:solidFill>
-              <a:schemeClr val="tx1"/>
-            </a:solidFill>
-          </a:ln>
-        </p:spPr>
-        <p:style>
-          <a:lnRef idx="2">
-            <a:schemeClr val="accent1">
-              <a:shade val="50000"/>
-            </a:schemeClr>
-          </a:lnRef>
-          <a:fillRef idx="1">
-            <a:schemeClr val="accent1"/>
-          </a:fillRef>
-          <a:effectRef idx="0">
-            <a:schemeClr val="accent1"/>
-          </a:effectRef>
-          <a:fontRef idx="minor">
-            <a:schemeClr val="lt1"/>
-          </a:fontRef>
-        </p:style>
-        <p:txBody>
-          <a:bodyPr rtlCol="0" anchor="ctr"/>
-          <a:lstStyle/>
-          <a:p>
-            <a:pPr algn="ctr"/>
-            <a:endParaRPr lang="en-US"/>
-          </a:p>
-        </p:txBody>
-      </p:sp>
-      <p:sp>
-        <p:nvSpPr>
           <p:cNvPr id="24" name="Freeform 23"/>
           <p:cNvSpPr/>
           <p:nvPr/>
         </p:nvSpPr>
         <p:spPr>
           <a:xfrm>
-            <a:off x="-220607" y="2499919"/>
+            <a:off x="2590416" y="2499919"/>
             <a:ext cx="2621293" cy="1376870"/>
           </a:xfrm>
           <a:custGeom>
